--- a/영어 말하기 ppt.pptx
+++ b/영어 말하기 ppt.pptx
@@ -208,7 +208,7 @@
           <a:p>
             <a:fld id="{63937D59-5EDB-4C39-B697-625748F703B6}" type="datetimeFigureOut">
               <a:rPr lang="en-US" smtClean="0"/>
-              <a:t>9/16/2018</a:t>
+              <a:t>9/17/2018</a:t>
             </a:fld>
             <a:endParaRPr lang="en-US"/>
           </a:p>
@@ -485,7 +485,7 @@
           <a:p>
             <a:fld id="{63937D59-5EDB-4C39-B697-625748F703B6}" type="datetimeFigureOut">
               <a:rPr lang="en-US" smtClean="0"/>
-              <a:t>9/16/2018</a:t>
+              <a:t>9/17/2018</a:t>
             </a:fld>
             <a:endParaRPr lang="en-US"/>
           </a:p>
@@ -738,7 +738,7 @@
           <a:p>
             <a:fld id="{63937D59-5EDB-4C39-B697-625748F703B6}" type="datetimeFigureOut">
               <a:rPr lang="en-US" smtClean="0"/>
-              <a:t>9/16/2018</a:t>
+              <a:t>9/17/2018</a:t>
             </a:fld>
             <a:endParaRPr lang="en-US"/>
           </a:p>
@@ -908,7 +908,7 @@
           <a:p>
             <a:fld id="{63937D59-5EDB-4C39-B697-625748F703B6}" type="datetimeFigureOut">
               <a:rPr lang="en-US" smtClean="0"/>
-              <a:t>9/16/2018</a:t>
+              <a:t>9/17/2018</a:t>
             </a:fld>
             <a:endParaRPr lang="en-US"/>
           </a:p>
@@ -1088,7 +1088,7 @@
           <a:p>
             <a:fld id="{63937D59-5EDB-4C39-B697-625748F703B6}" type="datetimeFigureOut">
               <a:rPr lang="en-US" smtClean="0"/>
-              <a:t>9/16/2018</a:t>
+              <a:t>9/17/2018</a:t>
             </a:fld>
             <a:endParaRPr lang="en-US"/>
           </a:p>
@@ -1686,7 +1686,7 @@
           <a:p>
             <a:fld id="{63937D59-5EDB-4C39-B697-625748F703B6}" type="datetimeFigureOut">
               <a:rPr lang="en-US" smtClean="0"/>
-              <a:t>9/16/2018</a:t>
+              <a:t>9/17/2018</a:t>
             </a:fld>
             <a:endParaRPr lang="en-US"/>
           </a:p>
@@ -1856,7 +1856,7 @@
           <a:p>
             <a:fld id="{63937D59-5EDB-4C39-B697-625748F703B6}" type="datetimeFigureOut">
               <a:rPr lang="en-US" smtClean="0"/>
-              <a:t>9/16/2018</a:t>
+              <a:t>9/17/2018</a:t>
             </a:fld>
             <a:endParaRPr lang="en-US"/>
           </a:p>
@@ -2102,7 +2102,7 @@
           <a:p>
             <a:fld id="{63937D59-5EDB-4C39-B697-625748F703B6}" type="datetimeFigureOut">
               <a:rPr lang="en-US" smtClean="0"/>
-              <a:t>9/16/2018</a:t>
+              <a:t>9/17/2018</a:t>
             </a:fld>
             <a:endParaRPr lang="en-US"/>
           </a:p>
@@ -2390,7 +2390,7 @@
           <a:p>
             <a:fld id="{63937D59-5EDB-4C39-B697-625748F703B6}" type="datetimeFigureOut">
               <a:rPr lang="en-US" smtClean="0"/>
-              <a:t>9/16/2018</a:t>
+              <a:t>9/17/2018</a:t>
             </a:fld>
             <a:endParaRPr lang="en-US"/>
           </a:p>
@@ -2812,7 +2812,7 @@
           <a:p>
             <a:fld id="{63937D59-5EDB-4C39-B697-625748F703B6}" type="datetimeFigureOut">
               <a:rPr lang="en-US" smtClean="0"/>
-              <a:t>9/16/2018</a:t>
+              <a:t>9/17/2018</a:t>
             </a:fld>
             <a:endParaRPr lang="en-US"/>
           </a:p>
@@ -2930,7 +2930,7 @@
           <a:p>
             <a:fld id="{63937D59-5EDB-4C39-B697-625748F703B6}" type="datetimeFigureOut">
               <a:rPr lang="en-US" smtClean="0"/>
-              <a:t>9/16/2018</a:t>
+              <a:t>9/17/2018</a:t>
             </a:fld>
             <a:endParaRPr lang="en-US"/>
           </a:p>
@@ -3434,7 +3434,7 @@
           <a:p>
             <a:fld id="{63937D59-5EDB-4C39-B697-625748F703B6}" type="datetimeFigureOut">
               <a:rPr lang="en-US" smtClean="0"/>
-              <a:t>9/16/2018</a:t>
+              <a:t>9/17/2018</a:t>
             </a:fld>
             <a:endParaRPr lang="en-US"/>
           </a:p>
@@ -4282,7 +4282,12 @@
             <p:ph idx="1"/>
           </p:nvPr>
         </p:nvSpPr>
-        <p:spPr/>
+        <p:spPr>
+          <a:xfrm>
+            <a:off x="1979712" y="987574"/>
+            <a:ext cx="6624736" cy="1080120"/>
+          </a:xfrm>
+        </p:spPr>
         <p:txBody>
           <a:bodyPr/>
           <a:lstStyle/>
@@ -4290,7 +4295,15 @@
             <a:pPr lvl="0"/>
             <a:r>
               <a:rPr lang="en-US" b="1" dirty="0" smtClean="0"/>
-              <a:t>Use the </a:t>
+              <a:t>You can u</a:t>
+            </a:r>
+            <a:r>
+              <a:rPr lang="en-US" b="1" dirty="0" smtClean="0"/>
+              <a:t>se </a:t>
+            </a:r>
+            <a:r>
+              <a:rPr lang="en-US" b="1" dirty="0" smtClean="0"/>
+              <a:t>the </a:t>
             </a:r>
             <a:r>
               <a:rPr lang="en-US" b="1" dirty="0">
@@ -4330,11 +4343,18 @@
             </a:r>
             <a:r>
               <a:rPr lang="en-US" b="1" dirty="0"/>
-              <a:t>on the </a:t>
+              <a:t>on </a:t>
             </a:r>
             <a:r>
               <a:rPr lang="en-US" b="1" dirty="0" smtClean="0"/>
-              <a:t>ground</a:t>
+              <a:t>the</a:t>
+            </a:r>
+          </a:p>
+          <a:p>
+            <a:pPr lvl="0"/>
+            <a:r>
+              <a:rPr lang="en-US" b="1" dirty="0" smtClean="0"/>
+              <a:t>Place.</a:t>
             </a:r>
             <a:endParaRPr lang="en-US" b="1" dirty="0"/>
           </a:p>
@@ -4635,14 +4655,7 @@
                 <a:latin typeface="Arial" panose="020B0604020202020204" pitchFamily="34" charset="0"/>
                 <a:cs typeface="Arial" panose="020B0604020202020204" pitchFamily="34" charset="0"/>
               </a:rPr>
-              <a:t>When </a:t>
-            </a:r>
-            <a:r>
-              <a:rPr lang="en-US" altLang="ko-KR" dirty="0">
-                <a:latin typeface="Arial" panose="020B0604020202020204" pitchFamily="34" charset="0"/>
-                <a:cs typeface="Arial" panose="020B0604020202020204" pitchFamily="34" charset="0"/>
-              </a:rPr>
-              <a:t>you want go to </a:t>
+              <a:t>When you want go to </a:t>
             </a:r>
             <a:r>
               <a:rPr lang="en-US" altLang="ko-KR" dirty="0" smtClean="0">
@@ -4676,17 +4689,10 @@
                 <a:latin typeface="Arial" panose="020B0604020202020204" pitchFamily="34" charset="0"/>
                 <a:cs typeface="Arial" panose="020B0604020202020204" pitchFamily="34" charset="0"/>
               </a:rPr>
-              <a:t>, </a:t>
-            </a:r>
-            <a:r>
-              <a:rPr lang="en-US" altLang="ko-KR" dirty="0">
-                <a:latin typeface="Arial" panose="020B0604020202020204" pitchFamily="34" charset="0"/>
-                <a:cs typeface="Arial" panose="020B0604020202020204" pitchFamily="34" charset="0"/>
-              </a:rPr>
-              <a:t>It is </a:t>
-            </a:r>
-            <a:r>
-              <a:rPr lang="en-US" altLang="ko-KR" dirty="0">
+              <a:t>, It is </a:t>
+            </a:r>
+            <a:r>
+              <a:rPr lang="en-US" altLang="ko-KR" dirty="0" smtClean="0">
                 <a:solidFill>
                   <a:srgbClr val="92D050"/>
                 </a:solidFill>
@@ -4696,14 +4702,14 @@
               <a:t>possible</a:t>
             </a:r>
             <a:r>
-              <a:rPr lang="en-US" altLang="ko-KR" dirty="0">
+              <a:rPr lang="en-US" altLang="ko-KR" dirty="0" smtClean="0">
                 <a:latin typeface="Arial" panose="020B0604020202020204" pitchFamily="34" charset="0"/>
                 <a:cs typeface="Arial" panose="020B0604020202020204" pitchFamily="34" charset="0"/>
               </a:rPr>
               <a:t> for this </a:t>
             </a:r>
             <a:r>
-              <a:rPr lang="en-US" altLang="ko-KR" dirty="0">
+              <a:rPr lang="en-US" altLang="ko-KR" dirty="0" smtClean="0">
                 <a:solidFill>
                   <a:srgbClr val="0070C0"/>
                 </a:solidFill>
@@ -4713,28 +4719,28 @@
               <a:t>toilet</a:t>
             </a:r>
             <a:r>
-              <a:rPr lang="en-US" altLang="ko-KR" dirty="0">
+              <a:rPr lang="en-US" altLang="ko-KR" dirty="0" smtClean="0">
                 <a:latin typeface="Arial" panose="020B0604020202020204" pitchFamily="34" charset="0"/>
                 <a:cs typeface="Arial" panose="020B0604020202020204" pitchFamily="34" charset="0"/>
               </a:rPr>
               <a:t> to arrive </a:t>
             </a:r>
             <a:r>
-              <a:rPr lang="en-US" altLang="ko-KR" dirty="0">
+              <a:rPr lang="en-US" altLang="ko-KR" dirty="0" smtClean="0">
                 <a:solidFill>
                   <a:srgbClr val="FF0000"/>
                 </a:solidFill>
                 <a:latin typeface="Arial" panose="020B0604020202020204" pitchFamily="34" charset="0"/>
                 <a:cs typeface="Arial" panose="020B0604020202020204" pitchFamily="34" charset="0"/>
               </a:rPr>
-              <a:t>faster</a:t>
-            </a:r>
-            <a:r>
-              <a:rPr lang="en-US" altLang="ko-KR" dirty="0">
+              <a:t>fast</a:t>
+            </a:r>
+            <a:r>
+              <a:rPr lang="en-US" altLang="ko-KR" dirty="0" smtClean="0">
                 <a:latin typeface="Arial" panose="020B0604020202020204" pitchFamily="34" charset="0"/>
                 <a:cs typeface="Arial" panose="020B0604020202020204" pitchFamily="34" charset="0"/>
               </a:rPr>
-              <a:t> than anyone to where the user is.</a:t>
+              <a:t> to where the user is.</a:t>
             </a:r>
             <a:endParaRPr lang="ko-KR" altLang="en-US" dirty="0">
               <a:latin typeface="Arial" panose="020B0604020202020204" pitchFamily="34" charset="0"/>
@@ -5122,7 +5128,24 @@
                 <a:latin typeface="Arial" panose="020B0604020202020204" pitchFamily="34" charset="0"/>
                 <a:cs typeface="Arial" panose="020B0604020202020204" pitchFamily="34" charset="0"/>
               </a:rPr>
-              <a:t> and convenience </a:t>
+              <a:t> and </a:t>
+            </a:r>
+            <a:r>
+              <a:rPr lang="en-US" altLang="ko-KR" dirty="0" smtClean="0">
+                <a:solidFill>
+                  <a:srgbClr val="92D050"/>
+                </a:solidFill>
+                <a:latin typeface="Arial" panose="020B0604020202020204" pitchFamily="34" charset="0"/>
+                <a:cs typeface="Arial" panose="020B0604020202020204" pitchFamily="34" charset="0"/>
+              </a:rPr>
+              <a:t>convenience</a:t>
+            </a:r>
+            <a:r>
+              <a:rPr lang="en-US" altLang="ko-KR" dirty="0" smtClean="0">
+                <a:latin typeface="Arial" panose="020B0604020202020204" pitchFamily="34" charset="0"/>
+                <a:cs typeface="Arial" panose="020B0604020202020204" pitchFamily="34" charset="0"/>
+              </a:rPr>
+              <a:t> </a:t>
             </a:r>
             <a:r>
               <a:rPr lang="en-US" altLang="ko-KR" dirty="0" smtClean="0">
@@ -5139,9 +5162,22 @@
                 <a:latin typeface="Arial" panose="020B0604020202020204" pitchFamily="34" charset="0"/>
                 <a:cs typeface="Arial" panose="020B0604020202020204" pitchFamily="34" charset="0"/>
               </a:rPr>
-              <a:t> to information to toilet</a:t>
+              <a:t> to information to </a:t>
+            </a:r>
+            <a:r>
+              <a:rPr lang="en-US" altLang="ko-KR" dirty="0" smtClean="0">
+                <a:solidFill>
+                  <a:srgbClr val="0070C0"/>
+                </a:solidFill>
+                <a:latin typeface="Arial" panose="020B0604020202020204" pitchFamily="34" charset="0"/>
+                <a:cs typeface="Arial" panose="020B0604020202020204" pitchFamily="34" charset="0"/>
+              </a:rPr>
+              <a:t>toilet</a:t>
             </a:r>
             <a:endParaRPr lang="ko-KR" altLang="en-US" dirty="0">
+              <a:solidFill>
+                <a:srgbClr val="0070C0"/>
+              </a:solidFill>
               <a:latin typeface="Arial" panose="020B0604020202020204" pitchFamily="34" charset="0"/>
               <a:cs typeface="Arial" panose="020B0604020202020204" pitchFamily="34" charset="0"/>
             </a:endParaRPr>
